--- a/OTUS_MS_SQL/Course_project/HW_10_DB_model/Склад товаров для автотуризма.pptx
+++ b/OTUS_MS_SQL/Course_project/HW_10_DB_model/Склад товаров для автотуризма.pptx
@@ -199,7 +199,7 @@
           <a:p>
             <a:fld id="{61CDE847-0373-415B-B5BB-F3549CD1F49B}" type="datetimeFigureOut">
               <a:rPr lang="ru-RU" smtClean="0"/>
-              <a:t>23.12.2024</a:t>
+              <a:t>06.01.2025</a:t>
             </a:fld>
             <a:endParaRPr lang="ru-RU"/>
           </a:p>
@@ -697,7 +697,7 @@
           <a:p>
             <a:fld id="{A0B0F2A1-180E-44A9-841E-1824174FC3F7}" type="datetimeFigureOut">
               <a:rPr lang="ru-RU" smtClean="0"/>
-              <a:t>23.12.2024</a:t>
+              <a:t>06.01.2025</a:t>
             </a:fld>
             <a:endParaRPr lang="ru-RU"/>
           </a:p>
@@ -895,7 +895,7 @@
           <a:p>
             <a:fld id="{A0B0F2A1-180E-44A9-841E-1824174FC3F7}" type="datetimeFigureOut">
               <a:rPr lang="ru-RU" smtClean="0"/>
-              <a:t>23.12.2024</a:t>
+              <a:t>06.01.2025</a:t>
             </a:fld>
             <a:endParaRPr lang="ru-RU"/>
           </a:p>
@@ -1103,7 +1103,7 @@
           <a:p>
             <a:fld id="{A0B0F2A1-180E-44A9-841E-1824174FC3F7}" type="datetimeFigureOut">
               <a:rPr lang="ru-RU" smtClean="0"/>
-              <a:t>23.12.2024</a:t>
+              <a:t>06.01.2025</a:t>
             </a:fld>
             <a:endParaRPr lang="ru-RU"/>
           </a:p>
@@ -1301,7 +1301,7 @@
           <a:p>
             <a:fld id="{A0B0F2A1-180E-44A9-841E-1824174FC3F7}" type="datetimeFigureOut">
               <a:rPr lang="ru-RU" smtClean="0"/>
-              <a:t>23.12.2024</a:t>
+              <a:t>06.01.2025</a:t>
             </a:fld>
             <a:endParaRPr lang="ru-RU"/>
           </a:p>
@@ -1576,7 +1576,7 @@
           <a:p>
             <a:fld id="{A0B0F2A1-180E-44A9-841E-1824174FC3F7}" type="datetimeFigureOut">
               <a:rPr lang="ru-RU" smtClean="0"/>
-              <a:t>23.12.2024</a:t>
+              <a:t>06.01.2025</a:t>
             </a:fld>
             <a:endParaRPr lang="ru-RU"/>
           </a:p>
@@ -1841,7 +1841,7 @@
           <a:p>
             <a:fld id="{A0B0F2A1-180E-44A9-841E-1824174FC3F7}" type="datetimeFigureOut">
               <a:rPr lang="ru-RU" smtClean="0"/>
-              <a:t>23.12.2024</a:t>
+              <a:t>06.01.2025</a:t>
             </a:fld>
             <a:endParaRPr lang="ru-RU"/>
           </a:p>
@@ -2253,7 +2253,7 @@
           <a:p>
             <a:fld id="{A0B0F2A1-180E-44A9-841E-1824174FC3F7}" type="datetimeFigureOut">
               <a:rPr lang="ru-RU" smtClean="0"/>
-              <a:t>23.12.2024</a:t>
+              <a:t>06.01.2025</a:t>
             </a:fld>
             <a:endParaRPr lang="ru-RU"/>
           </a:p>
@@ -2394,7 +2394,7 @@
           <a:p>
             <a:fld id="{A0B0F2A1-180E-44A9-841E-1824174FC3F7}" type="datetimeFigureOut">
               <a:rPr lang="ru-RU" smtClean="0"/>
-              <a:t>23.12.2024</a:t>
+              <a:t>06.01.2025</a:t>
             </a:fld>
             <a:endParaRPr lang="ru-RU"/>
           </a:p>
@@ -2507,7 +2507,7 @@
           <a:p>
             <a:fld id="{A0B0F2A1-180E-44A9-841E-1824174FC3F7}" type="datetimeFigureOut">
               <a:rPr lang="ru-RU" smtClean="0"/>
-              <a:t>23.12.2024</a:t>
+              <a:t>06.01.2025</a:t>
             </a:fld>
             <a:endParaRPr lang="ru-RU"/>
           </a:p>
@@ -2818,7 +2818,7 @@
           <a:p>
             <a:fld id="{A0B0F2A1-180E-44A9-841E-1824174FC3F7}" type="datetimeFigureOut">
               <a:rPr lang="ru-RU" smtClean="0"/>
-              <a:t>23.12.2024</a:t>
+              <a:t>06.01.2025</a:t>
             </a:fld>
             <a:endParaRPr lang="ru-RU"/>
           </a:p>
@@ -3106,7 +3106,7 @@
           <a:p>
             <a:fld id="{A0B0F2A1-180E-44A9-841E-1824174FC3F7}" type="datetimeFigureOut">
               <a:rPr lang="ru-RU" smtClean="0"/>
-              <a:t>23.12.2024</a:t>
+              <a:t>06.01.2025</a:t>
             </a:fld>
             <a:endParaRPr lang="ru-RU"/>
           </a:p>
@@ -3347,7 +3347,7 @@
           <a:p>
             <a:fld id="{A0B0F2A1-180E-44A9-841E-1824174FC3F7}" type="datetimeFigureOut">
               <a:rPr lang="ru-RU" smtClean="0"/>
-              <a:t>23.12.2024</a:t>
+              <a:t>06.01.2025</a:t>
             </a:fld>
             <a:endParaRPr lang="ru-RU"/>
           </a:p>
@@ -4369,10 +4369,10 @@
       </p:sp>
       <p:pic>
         <p:nvPicPr>
-          <p:cNvPr id="22" name="Рисунок 21">
-            <a:extLst>
-              <a:ext uri="{FF2B5EF4-FFF2-40B4-BE49-F238E27FC236}">
-                <a16:creationId xmlns:a16="http://schemas.microsoft.com/office/drawing/2014/main" id="{EAEF58E5-53F0-C8D8-753C-323A8FE2FEE2}"/>
+          <p:cNvPr id="5" name="Рисунок 4">
+            <a:extLst>
+              <a:ext uri="{FF2B5EF4-FFF2-40B4-BE49-F238E27FC236}">
+                <a16:creationId xmlns:a16="http://schemas.microsoft.com/office/drawing/2014/main" id="{AEE07970-5907-DEA7-BC76-58B02EA23F78}"/>
               </a:ext>
             </a:extLst>
           </p:cNvPr>
@@ -4389,8 +4389,8 @@
         </p:blipFill>
         <p:spPr>
           <a:xfrm>
-            <a:off x="0" y="988857"/>
-            <a:ext cx="12192000" cy="4880286"/>
+            <a:off x="0" y="878811"/>
+            <a:ext cx="12192000" cy="5100378"/>
           </a:xfrm>
           <a:prstGeom prst="rect">
             <a:avLst/>

--- a/OTUS_MS_SQL/Course_project/HW_10_DB_model/Склад товаров для автотуризма.pptx
+++ b/OTUS_MS_SQL/Course_project/HW_10_DB_model/Склад товаров для автотуризма.pptx
@@ -5,12 +5,14 @@
     <p:sldMasterId id="2147483648" r:id="rId1"/>
   </p:sldMasterIdLst>
   <p:notesMasterIdLst>
-    <p:notesMasterId r:id="rId5"/>
+    <p:notesMasterId r:id="rId7"/>
   </p:notesMasterIdLst>
   <p:sldIdLst>
     <p:sldId id="256" r:id="rId2"/>
     <p:sldId id="258" r:id="rId3"/>
-    <p:sldId id="257" r:id="rId4"/>
+    <p:sldId id="259" r:id="rId4"/>
+    <p:sldId id="257" r:id="rId5"/>
+    <p:sldId id="260" r:id="rId6"/>
   </p:sldIdLst>
   <p:sldSz cx="12192000" cy="6858000"/>
   <p:notesSz cx="6858000" cy="9144000"/>
@@ -199,7 +201,7 @@
           <a:p>
             <a:fld id="{61CDE847-0373-415B-B5BB-F3549CD1F49B}" type="datetimeFigureOut">
               <a:rPr lang="ru-RU" smtClean="0"/>
-              <a:t>06.01.2025</a:t>
+              <a:t>17.04.2025</a:t>
             </a:fld>
             <a:endParaRPr lang="ru-RU"/>
           </a:p>
@@ -531,7 +533,7 @@
           <a:p>
             <a:fld id="{798A3AFC-2513-41D5-BD9A-FA4690321848}" type="slidenum">
               <a:rPr lang="ru-RU" smtClean="0"/>
-              <a:t>3</a:t>
+              <a:t>4</a:t>
             </a:fld>
             <a:endParaRPr lang="ru-RU"/>
           </a:p>
@@ -697,7 +699,7 @@
           <a:p>
             <a:fld id="{A0B0F2A1-180E-44A9-841E-1824174FC3F7}" type="datetimeFigureOut">
               <a:rPr lang="ru-RU" smtClean="0"/>
-              <a:t>06.01.2025</a:t>
+              <a:t>17.04.2025</a:t>
             </a:fld>
             <a:endParaRPr lang="ru-RU"/>
           </a:p>
@@ -895,7 +897,7 @@
           <a:p>
             <a:fld id="{A0B0F2A1-180E-44A9-841E-1824174FC3F7}" type="datetimeFigureOut">
               <a:rPr lang="ru-RU" smtClean="0"/>
-              <a:t>06.01.2025</a:t>
+              <a:t>17.04.2025</a:t>
             </a:fld>
             <a:endParaRPr lang="ru-RU"/>
           </a:p>
@@ -1103,7 +1105,7 @@
           <a:p>
             <a:fld id="{A0B0F2A1-180E-44A9-841E-1824174FC3F7}" type="datetimeFigureOut">
               <a:rPr lang="ru-RU" smtClean="0"/>
-              <a:t>06.01.2025</a:t>
+              <a:t>17.04.2025</a:t>
             </a:fld>
             <a:endParaRPr lang="ru-RU"/>
           </a:p>
@@ -1301,7 +1303,7 @@
           <a:p>
             <a:fld id="{A0B0F2A1-180E-44A9-841E-1824174FC3F7}" type="datetimeFigureOut">
               <a:rPr lang="ru-RU" smtClean="0"/>
-              <a:t>06.01.2025</a:t>
+              <a:t>17.04.2025</a:t>
             </a:fld>
             <a:endParaRPr lang="ru-RU"/>
           </a:p>
@@ -1576,7 +1578,7 @@
           <a:p>
             <a:fld id="{A0B0F2A1-180E-44A9-841E-1824174FC3F7}" type="datetimeFigureOut">
               <a:rPr lang="ru-RU" smtClean="0"/>
-              <a:t>06.01.2025</a:t>
+              <a:t>17.04.2025</a:t>
             </a:fld>
             <a:endParaRPr lang="ru-RU"/>
           </a:p>
@@ -1841,7 +1843,7 @@
           <a:p>
             <a:fld id="{A0B0F2A1-180E-44A9-841E-1824174FC3F7}" type="datetimeFigureOut">
               <a:rPr lang="ru-RU" smtClean="0"/>
-              <a:t>06.01.2025</a:t>
+              <a:t>17.04.2025</a:t>
             </a:fld>
             <a:endParaRPr lang="ru-RU"/>
           </a:p>
@@ -2253,7 +2255,7 @@
           <a:p>
             <a:fld id="{A0B0F2A1-180E-44A9-841E-1824174FC3F7}" type="datetimeFigureOut">
               <a:rPr lang="ru-RU" smtClean="0"/>
-              <a:t>06.01.2025</a:t>
+              <a:t>17.04.2025</a:t>
             </a:fld>
             <a:endParaRPr lang="ru-RU"/>
           </a:p>
@@ -2394,7 +2396,7 @@
           <a:p>
             <a:fld id="{A0B0F2A1-180E-44A9-841E-1824174FC3F7}" type="datetimeFigureOut">
               <a:rPr lang="ru-RU" smtClean="0"/>
-              <a:t>06.01.2025</a:t>
+              <a:t>17.04.2025</a:t>
             </a:fld>
             <a:endParaRPr lang="ru-RU"/>
           </a:p>
@@ -2507,7 +2509,7 @@
           <a:p>
             <a:fld id="{A0B0F2A1-180E-44A9-841E-1824174FC3F7}" type="datetimeFigureOut">
               <a:rPr lang="ru-RU" smtClean="0"/>
-              <a:t>06.01.2025</a:t>
+              <a:t>17.04.2025</a:t>
             </a:fld>
             <a:endParaRPr lang="ru-RU"/>
           </a:p>
@@ -2818,7 +2820,7 @@
           <a:p>
             <a:fld id="{A0B0F2A1-180E-44A9-841E-1824174FC3F7}" type="datetimeFigureOut">
               <a:rPr lang="ru-RU" smtClean="0"/>
-              <a:t>06.01.2025</a:t>
+              <a:t>17.04.2025</a:t>
             </a:fld>
             <a:endParaRPr lang="ru-RU"/>
           </a:p>
@@ -3106,7 +3108,7 @@
           <a:p>
             <a:fld id="{A0B0F2A1-180E-44A9-841E-1824174FC3F7}" type="datetimeFigureOut">
               <a:rPr lang="ru-RU" smtClean="0"/>
-              <a:t>06.01.2025</a:t>
+              <a:t>17.04.2025</a:t>
             </a:fld>
             <a:endParaRPr lang="ru-RU"/>
           </a:p>
@@ -3347,7 +3349,7 @@
           <a:p>
             <a:fld id="{A0B0F2A1-180E-44A9-841E-1824174FC3F7}" type="datetimeFigureOut">
               <a:rPr lang="ru-RU" smtClean="0"/>
-              <a:t>06.01.2025</a:t>
+              <a:t>17.04.2025</a:t>
             </a:fld>
             <a:endParaRPr lang="ru-RU"/>
           </a:p>
@@ -3883,6 +3885,65 @@
         <p:spPr>
           <a:xfrm>
             <a:off x="466344" y="484632"/>
+            <a:ext cx="10844784" cy="1477328"/>
+          </a:xfrm>
+          <a:prstGeom prst="rect">
+            <a:avLst/>
+          </a:prstGeom>
+          <a:noFill/>
+        </p:spPr>
+        <p:txBody>
+          <a:bodyPr wrap="square" rtlCol="0">
+            <a:spAutoFit/>
+          </a:bodyPr>
+          <a:lstStyle/>
+          <a:p>
+            <a:r>
+              <a:rPr lang="ru-RU" b="1" dirty="0">
+                <a:highlight>
+                  <a:srgbClr val="00FFFF"/>
+                </a:highlight>
+              </a:rPr>
+              <a:t>Цель проекта:</a:t>
+            </a:r>
+          </a:p>
+          <a:p>
+            <a:r>
+              <a:rPr lang="ru-RU" dirty="0"/>
+              <a:t>Создание системы с использованием базы данных на </a:t>
+            </a:r>
+            <a:r>
+              <a:rPr lang="en-US" dirty="0"/>
+              <a:t>MS SQL </a:t>
+            </a:r>
+            <a:r>
+              <a:rPr lang="ru-RU" dirty="0"/>
+              <a:t>для автоматизации управления запасами на складе товаров для автотуризма.</a:t>
+            </a:r>
+          </a:p>
+          <a:p>
+            <a:endParaRPr lang="ru-RU" dirty="0"/>
+          </a:p>
+          <a:p>
+            <a:endParaRPr lang="ru-RU" dirty="0"/>
+          </a:p>
+        </p:txBody>
+      </p:sp>
+      <p:sp>
+        <p:nvSpPr>
+          <p:cNvPr id="3" name="TextBox 2">
+            <a:extLst>
+              <a:ext uri="{FF2B5EF4-FFF2-40B4-BE49-F238E27FC236}">
+                <a16:creationId xmlns:a16="http://schemas.microsoft.com/office/drawing/2014/main" id="{2E687FDF-31A7-7045-76ED-8B9F1436C2C6}"/>
+              </a:ext>
+            </a:extLst>
+          </p:cNvPr>
+          <p:cNvSpPr txBox="1"/>
+          <p:nvPr/>
+        </p:nvSpPr>
+        <p:spPr>
+          <a:xfrm>
+            <a:off x="466344" y="2505670"/>
             <a:ext cx="10844784" cy="646331"/>
           </a:xfrm>
           <a:prstGeom prst="rect">
@@ -3902,31 +3963,36 @@
                   <a:srgbClr val="00FFFF"/>
                 </a:highlight>
               </a:rPr>
-              <a:t>Цель проекта:</a:t>
+              <a:t>Уровень безопасности данных :</a:t>
             </a:r>
           </a:p>
           <a:p>
             <a:r>
               <a:rPr lang="ru-RU" dirty="0"/>
-              <a:t>Реализация базы данных для мониторинга остатка на складе товаров </a:t>
-            </a:r>
-            <a:r>
-              <a:rPr lang="ru-RU"/>
-              <a:t>для автотуризма</a:t>
+              <a:t>В решении используется учетная запись </a:t>
+            </a:r>
+            <a:r>
+              <a:rPr lang="en-US" dirty="0"/>
+              <a:t>Windows</a:t>
             </a:r>
             <a:r>
               <a:rPr lang="ru-RU" dirty="0"/>
-              <a:t>.</a:t>
-            </a:r>
-          </a:p>
-        </p:txBody>
-      </p:sp>
-      <p:sp>
-        <p:nvSpPr>
-          <p:cNvPr id="5" name="TextBox 4">
-            <a:extLst>
-              <a:ext uri="{FF2B5EF4-FFF2-40B4-BE49-F238E27FC236}">
-                <a16:creationId xmlns:a16="http://schemas.microsoft.com/office/drawing/2014/main" id="{360C88C8-8BBA-ACDF-AF04-B37A104C8AC2}"/>
+              <a:t> для управления доступом к БД</a:t>
+            </a:r>
+            <a:r>
+              <a:rPr lang="en-US" dirty="0"/>
+              <a:t>. </a:t>
+            </a:r>
+            <a:endParaRPr lang="ru-RU" dirty="0"/>
+          </a:p>
+        </p:txBody>
+      </p:sp>
+      <p:sp>
+        <p:nvSpPr>
+          <p:cNvPr id="4" name="TextBox 3">
+            <a:extLst>
+              <a:ext uri="{FF2B5EF4-FFF2-40B4-BE49-F238E27FC236}">
+                <a16:creationId xmlns:a16="http://schemas.microsoft.com/office/drawing/2014/main" id="{97B073D6-723B-5B30-09C3-B9A6B7C0D78A}"/>
               </a:ext>
             </a:extLst>
           </p:cNvPr>
@@ -3935,8 +4001,8 @@
         </p:nvSpPr>
         <p:spPr>
           <a:xfrm>
-            <a:off x="466344" y="1350264"/>
-            <a:ext cx="10844784" cy="3139321"/>
+            <a:off x="466344" y="1494937"/>
+            <a:ext cx="10844784" cy="923330"/>
           </a:xfrm>
           <a:prstGeom prst="rect">
             <a:avLst/>
@@ -3955,322 +4021,92 @@
                   <a:srgbClr val="00FFFF"/>
                 </a:highlight>
               </a:rPr>
-              <a:t>Описание основных объектов базы данных:</a:t>
-            </a:r>
-          </a:p>
-          <a:p>
-            <a:pPr marL="285750" indent="-285750">
-              <a:buFont typeface="Wingdings" panose="05000000000000000000" pitchFamily="2" charset="2"/>
-              <a:buChar char="§"/>
-            </a:pPr>
-            <a:r>
-              <a:rPr lang="en-US" sz="1800" dirty="0">
-                <a:solidFill>
-                  <a:srgbClr val="000000"/>
-                </a:solidFill>
-                <a:latin typeface="Consolas" panose="020B0609020204030204" pitchFamily="49" charset="0"/>
+              <a:t>Использование базы данных в системе:</a:t>
+            </a:r>
+          </a:p>
+          <a:p>
+            <a:r>
+              <a:rPr lang="ru-RU" dirty="0"/>
+              <a:t>Система разработана с акцентом на простоту использования, в качестве интерфейса по взаимодействию с БД реализован телеграмм бот</a:t>
+            </a:r>
+            <a:r>
+              <a:rPr lang="en-US" dirty="0"/>
+              <a:t>.</a:t>
+            </a:r>
+            <a:endParaRPr lang="ru-RU" dirty="0"/>
+          </a:p>
+        </p:txBody>
+      </p:sp>
+      <p:sp>
+        <p:nvSpPr>
+          <p:cNvPr id="6" name="TextBox 5">
+            <a:extLst>
+              <a:ext uri="{FF2B5EF4-FFF2-40B4-BE49-F238E27FC236}">
+                <a16:creationId xmlns:a16="http://schemas.microsoft.com/office/drawing/2014/main" id="{04B49BE3-93C4-9DBF-33EE-A527AB8E6146}"/>
+              </a:ext>
+            </a:extLst>
+          </p:cNvPr>
+          <p:cNvSpPr txBox="1"/>
+          <p:nvPr/>
+        </p:nvSpPr>
+        <p:spPr>
+          <a:xfrm>
+            <a:off x="466344" y="3239404"/>
+            <a:ext cx="10844784" cy="1477328"/>
+          </a:xfrm>
+          <a:prstGeom prst="rect">
+            <a:avLst/>
+          </a:prstGeom>
+          <a:noFill/>
+        </p:spPr>
+        <p:txBody>
+          <a:bodyPr wrap="square" rtlCol="0">
+            <a:spAutoFit/>
+          </a:bodyPr>
+          <a:lstStyle/>
+          <a:p>
+            <a:r>
+              <a:rPr lang="ru-RU" b="1" dirty="0">
+                <a:highlight>
+                  <a:srgbClr val="00FFFF"/>
+                </a:highlight>
               </a:rPr>
-              <a:t>Categories</a:t>
+              <a:t>Уровень нагрузки на базу данных:</a:t>
+            </a:r>
+          </a:p>
+          <a:p>
+            <a:r>
+              <a:rPr lang="ru-RU" dirty="0"/>
+              <a:t>На базе данных не планируются существенные нагрузки, но тем не менее настроен </a:t>
             </a:r>
             <a:r>
               <a:rPr lang="ru-RU" dirty="0">
-                <a:solidFill>
-                  <a:srgbClr val="000000"/>
-                </a:solidFill>
-                <a:latin typeface="Consolas" panose="020B0609020204030204" pitchFamily="49" charset="0"/>
-              </a:rPr>
-              <a:t> – справочник категорий товара.</a:t>
-            </a:r>
-          </a:p>
-          <a:p>
-            <a:r>
-              <a:rPr lang="ru-RU" dirty="0">
-                <a:solidFill>
-                  <a:srgbClr val="000000"/>
-                </a:solidFill>
-                <a:latin typeface="Consolas" panose="020B0609020204030204" pitchFamily="49" charset="0"/>
-              </a:rPr>
-              <a:t>  Авто-тенты, системы хранения, </a:t>
-            </a:r>
-            <a:r>
-              <a:rPr lang="ru-RU" b="0" i="0" dirty="0">
-                <a:solidFill>
-                  <a:srgbClr val="080808"/>
-                </a:solidFill>
-                <a:effectLst/>
                 <a:latin typeface="SB Sans Text"/>
               </a:rPr>
-              <a:t>противобуксовочная система</a:t>
-            </a:r>
-            <a:r>
-              <a:rPr lang="ru-RU" dirty="0">
-                <a:solidFill>
-                  <a:srgbClr val="080808"/>
-                </a:solidFill>
+              <a:t>Service </a:t>
+            </a:r>
+            <a:r>
+              <a:rPr lang="ru-RU" dirty="0" err="1">
                 <a:latin typeface="SB Sans Text"/>
               </a:rPr>
-              <a:t>, аксессуары для товара</a:t>
-            </a:r>
-            <a:r>
-              <a:rPr lang="ru-RU" b="0" i="0" dirty="0">
-                <a:solidFill>
-                  <a:srgbClr val="080808"/>
-                </a:solidFill>
-                <a:effectLst/>
+              <a:t>Broker</a:t>
+            </a:r>
+            <a:r>
+              <a:rPr lang="ru-RU" dirty="0">
                 <a:latin typeface="SB Sans Text"/>
               </a:rPr>
-              <a:t> и т.д.</a:t>
-            </a:r>
+              <a:t>, использующий очередь через триггеры, что позволяет асинхронно производить обработку данных. </a:t>
+            </a:r>
+          </a:p>
+          <a:p>
             <a:endParaRPr lang="ru-RU" dirty="0">
-              <a:solidFill>
-                <a:srgbClr val="000000"/>
-              </a:solidFill>
-              <a:latin typeface="Consolas" panose="020B0609020204030204" pitchFamily="49" charset="0"/>
+              <a:latin typeface="SB Sans Text"/>
             </a:endParaRPr>
           </a:p>
           <a:p>
-            <a:pPr marL="285750" indent="-285750">
-              <a:buFont typeface="Wingdings" panose="05000000000000000000" pitchFamily="2" charset="2"/>
-              <a:buChar char="§"/>
-            </a:pPr>
-            <a:r>
-              <a:rPr lang="en-US" sz="1800" dirty="0">
-                <a:solidFill>
-                  <a:srgbClr val="000000"/>
-                </a:solidFill>
-                <a:latin typeface="Consolas" panose="020B0609020204030204" pitchFamily="49" charset="0"/>
-              </a:rPr>
-              <a:t>Car</a:t>
-            </a:r>
-            <a:r>
-              <a:rPr lang="en-US" dirty="0">
-                <a:solidFill>
-                  <a:srgbClr val="000000"/>
-                </a:solidFill>
-                <a:latin typeface="Consolas" panose="020B0609020204030204" pitchFamily="49" charset="0"/>
-              </a:rPr>
-              <a:t>s – </a:t>
-            </a:r>
-            <a:r>
-              <a:rPr lang="ru-RU" dirty="0">
-                <a:solidFill>
-                  <a:srgbClr val="000000"/>
-                </a:solidFill>
-                <a:latin typeface="Consolas" panose="020B0609020204030204" pitchFamily="49" charset="0"/>
-              </a:rPr>
-              <a:t>справочник автомобилей;</a:t>
-            </a:r>
-          </a:p>
-          <a:p>
-            <a:pPr marL="285750" indent="-285750">
-              <a:buFont typeface="Wingdings" panose="05000000000000000000" pitchFamily="2" charset="2"/>
-              <a:buChar char="§"/>
-            </a:pPr>
-            <a:r>
-              <a:rPr lang="en-US" sz="1800" dirty="0">
-                <a:solidFill>
-                  <a:srgbClr val="000000"/>
-                </a:solidFill>
-                <a:latin typeface="Consolas" panose="020B0609020204030204" pitchFamily="49" charset="0"/>
-              </a:rPr>
-              <a:t>Products</a:t>
-            </a:r>
-            <a:r>
-              <a:rPr lang="ru-RU" sz="1800" dirty="0">
-                <a:solidFill>
-                  <a:srgbClr val="000000"/>
-                </a:solidFill>
-                <a:latin typeface="Consolas" panose="020B0609020204030204" pitchFamily="49" charset="0"/>
-              </a:rPr>
-              <a:t> – Таблица с основными товарами склада;</a:t>
-            </a:r>
-          </a:p>
-          <a:p>
-            <a:pPr marL="285750" indent="-285750">
-              <a:buFont typeface="Wingdings" panose="05000000000000000000" pitchFamily="2" charset="2"/>
-              <a:buChar char="§"/>
-            </a:pPr>
-            <a:r>
-              <a:rPr lang="en-US" sz="1800" dirty="0" err="1">
-                <a:solidFill>
-                  <a:srgbClr val="000000"/>
-                </a:solidFill>
-                <a:latin typeface="Consolas" panose="020B0609020204030204" pitchFamily="49" charset="0"/>
-              </a:rPr>
-              <a:t>CarCompatibility</a:t>
-            </a:r>
-            <a:r>
-              <a:rPr lang="ru-RU" dirty="0">
-                <a:solidFill>
-                  <a:srgbClr val="000000"/>
-                </a:solidFill>
-                <a:latin typeface="Consolas" panose="020B0609020204030204" pitchFamily="49" charset="0"/>
-              </a:rPr>
-              <a:t> – совместимость товара с автомобилем;</a:t>
-            </a:r>
-          </a:p>
-          <a:p>
-            <a:pPr marL="285750" indent="-285750">
-              <a:buFont typeface="Wingdings" panose="05000000000000000000" pitchFamily="2" charset="2"/>
-              <a:buChar char="§"/>
-            </a:pPr>
-            <a:r>
-              <a:rPr lang="en-US" sz="1800" dirty="0">
-                <a:solidFill>
-                  <a:srgbClr val="000000"/>
-                </a:solidFill>
-                <a:latin typeface="Consolas" panose="020B0609020204030204" pitchFamily="49" charset="0"/>
-              </a:rPr>
-              <a:t>Accessories</a:t>
-            </a:r>
-            <a:r>
-              <a:rPr lang="ru-RU" sz="1800" dirty="0">
-                <a:solidFill>
-                  <a:srgbClr val="000000"/>
-                </a:solidFill>
-                <a:latin typeface="Consolas" panose="020B0609020204030204" pitchFamily="49" charset="0"/>
-              </a:rPr>
-              <a:t> – сопутствующие то</a:t>
-            </a:r>
-            <a:r>
-              <a:rPr lang="ru-RU" dirty="0">
-                <a:solidFill>
-                  <a:srgbClr val="000000"/>
-                </a:solidFill>
-                <a:latin typeface="Consolas" panose="020B0609020204030204" pitchFamily="49" charset="0"/>
-              </a:rPr>
-              <a:t>вары для товаров </a:t>
-            </a:r>
-            <a:r>
-              <a:rPr lang="en-US" sz="1800" dirty="0">
-                <a:solidFill>
-                  <a:srgbClr val="000000"/>
-                </a:solidFill>
-                <a:latin typeface="Consolas" panose="020B0609020204030204" pitchFamily="49" charset="0"/>
-              </a:rPr>
-              <a:t>Products</a:t>
-            </a:r>
-            <a:r>
-              <a:rPr lang="ru-RU" dirty="0">
-                <a:solidFill>
-                  <a:srgbClr val="000000"/>
-                </a:solidFill>
-                <a:latin typeface="Consolas" panose="020B0609020204030204" pitchFamily="49" charset="0"/>
-              </a:rPr>
-              <a:t>;</a:t>
-            </a:r>
-          </a:p>
-          <a:p>
-            <a:pPr marL="285750" indent="-285750">
-              <a:buFont typeface="Wingdings" panose="05000000000000000000" pitchFamily="2" charset="2"/>
-              <a:buChar char="§"/>
-            </a:pPr>
-            <a:r>
-              <a:rPr lang="en-US" dirty="0" err="1">
-                <a:solidFill>
-                  <a:srgbClr val="000000"/>
-                </a:solidFill>
-                <a:latin typeface="Consolas" panose="020B0609020204030204" pitchFamily="49" charset="0"/>
-              </a:rPr>
-              <a:t>ProductsStockQuantity</a:t>
-            </a:r>
-            <a:r>
-              <a:rPr lang="ru-RU" sz="1800" dirty="0">
-                <a:solidFill>
-                  <a:srgbClr val="000000"/>
-                </a:solidFill>
-                <a:latin typeface="Consolas" panose="020B0609020204030204" pitchFamily="49" charset="0"/>
-              </a:rPr>
-              <a:t> – таблица с остатками </a:t>
-            </a:r>
-            <a:r>
-              <a:rPr lang="en-US" sz="1800" dirty="0">
-                <a:solidFill>
-                  <a:srgbClr val="000000"/>
-                </a:solidFill>
-                <a:latin typeface="Consolas" panose="020B0609020204030204" pitchFamily="49" charset="0"/>
-              </a:rPr>
-              <a:t>Products </a:t>
-            </a:r>
-            <a:r>
-              <a:rPr lang="ru-RU" sz="1800" dirty="0">
-                <a:solidFill>
-                  <a:srgbClr val="000000"/>
-                </a:solidFill>
-                <a:latin typeface="Consolas" panose="020B0609020204030204" pitchFamily="49" charset="0"/>
-              </a:rPr>
-              <a:t>на дату;</a:t>
-            </a:r>
-          </a:p>
-          <a:p>
-            <a:pPr marL="285750" indent="-285750">
-              <a:buFont typeface="Wingdings" panose="05000000000000000000" pitchFamily="2" charset="2"/>
-              <a:buChar char="§"/>
-            </a:pPr>
-            <a:r>
-              <a:rPr lang="en-US" dirty="0" err="1">
-                <a:solidFill>
-                  <a:srgbClr val="000000"/>
-                </a:solidFill>
-                <a:latin typeface="Consolas" panose="020B0609020204030204" pitchFamily="49" charset="0"/>
-              </a:rPr>
-              <a:t>AccessoriesStockQuantity</a:t>
-            </a:r>
-            <a:r>
-              <a:rPr lang="ru-RU" dirty="0">
-                <a:solidFill>
-                  <a:srgbClr val="000000"/>
-                </a:solidFill>
-                <a:latin typeface="Consolas" panose="020B0609020204030204" pitchFamily="49" charset="0"/>
-              </a:rPr>
-              <a:t> - </a:t>
-            </a:r>
-            <a:r>
-              <a:rPr lang="ru-RU" sz="1800" dirty="0">
-                <a:solidFill>
-                  <a:srgbClr val="000000"/>
-                </a:solidFill>
-                <a:latin typeface="Consolas" panose="020B0609020204030204" pitchFamily="49" charset="0"/>
-              </a:rPr>
-              <a:t>таблица с остатками </a:t>
-            </a:r>
-            <a:r>
-              <a:rPr lang="en-US" sz="1800" dirty="0">
-                <a:solidFill>
-                  <a:srgbClr val="000000"/>
-                </a:solidFill>
-                <a:latin typeface="Consolas" panose="020B0609020204030204" pitchFamily="49" charset="0"/>
-              </a:rPr>
-              <a:t>Accessories </a:t>
-            </a:r>
-            <a:r>
-              <a:rPr lang="ru-RU" sz="1800" dirty="0">
-                <a:solidFill>
-                  <a:srgbClr val="000000"/>
-                </a:solidFill>
-                <a:latin typeface="Consolas" panose="020B0609020204030204" pitchFamily="49" charset="0"/>
-              </a:rPr>
-              <a:t>на дату.</a:t>
-            </a:r>
-          </a:p>
-          <a:p>
-            <a:pPr marL="285750" indent="-285750">
-              <a:buFont typeface="Wingdings" panose="05000000000000000000" pitchFamily="2" charset="2"/>
-              <a:buChar char="§"/>
-            </a:pPr>
             <a:endParaRPr lang="ru-RU" dirty="0">
-              <a:solidFill>
-                <a:srgbClr val="000000"/>
-              </a:solidFill>
-              <a:latin typeface="Consolas" panose="020B0609020204030204" pitchFamily="49" charset="0"/>
+              <a:latin typeface="SB Sans Text"/>
             </a:endParaRPr>
-          </a:p>
-          <a:p>
-            <a:pPr marL="285750" indent="-285750">
-              <a:buFont typeface="Wingdings" panose="05000000000000000000" pitchFamily="2" charset="2"/>
-              <a:buChar char="§"/>
-            </a:pPr>
-            <a:endParaRPr lang="ru-RU" dirty="0"/>
           </a:p>
         </p:txBody>
       </p:sp>
@@ -4306,6 +4142,396 @@
       </p:grpSpPr>
       <p:sp>
         <p:nvSpPr>
+          <p:cNvPr id="2" name="TextBox 1">
+            <a:extLst>
+              <a:ext uri="{FF2B5EF4-FFF2-40B4-BE49-F238E27FC236}">
+                <a16:creationId xmlns:a16="http://schemas.microsoft.com/office/drawing/2014/main" id="{AC4D021D-FC7B-E484-E0F8-134A9E1DE46E}"/>
+              </a:ext>
+            </a:extLst>
+          </p:cNvPr>
+          <p:cNvSpPr txBox="1"/>
+          <p:nvPr/>
+        </p:nvSpPr>
+        <p:spPr>
+          <a:xfrm>
+            <a:off x="411480" y="1177230"/>
+            <a:ext cx="10844784" cy="3416320"/>
+          </a:xfrm>
+          <a:prstGeom prst="rect">
+            <a:avLst/>
+          </a:prstGeom>
+          <a:noFill/>
+        </p:spPr>
+        <p:txBody>
+          <a:bodyPr wrap="square" rtlCol="0">
+            <a:spAutoFit/>
+          </a:bodyPr>
+          <a:lstStyle/>
+          <a:p>
+            <a:r>
+              <a:rPr lang="ru-RU" b="1" dirty="0">
+                <a:highlight>
+                  <a:srgbClr val="00FFFF"/>
+                </a:highlight>
+              </a:rPr>
+              <a:t>Описание основных объектов базы данных:</a:t>
+            </a:r>
+          </a:p>
+          <a:p>
+            <a:endParaRPr lang="ru-RU" b="1" dirty="0">
+              <a:highlight>
+                <a:srgbClr val="00FFFF"/>
+              </a:highlight>
+            </a:endParaRPr>
+          </a:p>
+          <a:p>
+            <a:pPr marL="285750" indent="-285750">
+              <a:buFont typeface="Wingdings" panose="05000000000000000000" pitchFamily="2" charset="2"/>
+              <a:buChar char="§"/>
+            </a:pPr>
+            <a:r>
+              <a:rPr lang="en-US" sz="1800" dirty="0">
+                <a:solidFill>
+                  <a:srgbClr val="000000"/>
+                </a:solidFill>
+                <a:latin typeface="Consolas" panose="020B0609020204030204" pitchFamily="49" charset="0"/>
+              </a:rPr>
+              <a:t>Categories</a:t>
+            </a:r>
+            <a:r>
+              <a:rPr lang="ru-RU" dirty="0">
+                <a:solidFill>
+                  <a:srgbClr val="000000"/>
+                </a:solidFill>
+                <a:latin typeface="Consolas" panose="020B0609020204030204" pitchFamily="49" charset="0"/>
+              </a:rPr>
+              <a:t> – справочник категорий товара.</a:t>
+            </a:r>
+          </a:p>
+          <a:p>
+            <a:r>
+              <a:rPr lang="ru-RU" dirty="0">
+                <a:solidFill>
+                  <a:srgbClr val="000000"/>
+                </a:solidFill>
+                <a:latin typeface="Consolas" panose="020B0609020204030204" pitchFamily="49" charset="0"/>
+              </a:rPr>
+              <a:t>  Авто-тенты, системы хранения, </a:t>
+            </a:r>
+            <a:r>
+              <a:rPr lang="ru-RU" b="0" i="0" dirty="0">
+                <a:solidFill>
+                  <a:srgbClr val="080808"/>
+                </a:solidFill>
+                <a:effectLst/>
+                <a:latin typeface="SB Sans Text"/>
+              </a:rPr>
+              <a:t>противобуксовочная система</a:t>
+            </a:r>
+            <a:r>
+              <a:rPr lang="ru-RU" dirty="0">
+                <a:solidFill>
+                  <a:srgbClr val="080808"/>
+                </a:solidFill>
+                <a:latin typeface="SB Sans Text"/>
+              </a:rPr>
+              <a:t>, аксессуары для товара</a:t>
+            </a:r>
+            <a:r>
+              <a:rPr lang="ru-RU" b="0" i="0" dirty="0">
+                <a:solidFill>
+                  <a:srgbClr val="080808"/>
+                </a:solidFill>
+                <a:effectLst/>
+                <a:latin typeface="SB Sans Text"/>
+              </a:rPr>
+              <a:t> и т.д.</a:t>
+            </a:r>
+            <a:endParaRPr lang="ru-RU" dirty="0">
+              <a:solidFill>
+                <a:srgbClr val="000000"/>
+              </a:solidFill>
+              <a:latin typeface="Consolas" panose="020B0609020204030204" pitchFamily="49" charset="0"/>
+            </a:endParaRPr>
+          </a:p>
+          <a:p>
+            <a:pPr marL="285750" indent="-285750">
+              <a:buFont typeface="Wingdings" panose="05000000000000000000" pitchFamily="2" charset="2"/>
+              <a:buChar char="§"/>
+            </a:pPr>
+            <a:r>
+              <a:rPr lang="en-US" sz="1800" dirty="0">
+                <a:solidFill>
+                  <a:srgbClr val="000000"/>
+                </a:solidFill>
+                <a:latin typeface="Consolas" panose="020B0609020204030204" pitchFamily="49" charset="0"/>
+              </a:rPr>
+              <a:t>Car</a:t>
+            </a:r>
+            <a:r>
+              <a:rPr lang="en-US" dirty="0">
+                <a:solidFill>
+                  <a:srgbClr val="000000"/>
+                </a:solidFill>
+                <a:latin typeface="Consolas" panose="020B0609020204030204" pitchFamily="49" charset="0"/>
+              </a:rPr>
+              <a:t>s – </a:t>
+            </a:r>
+            <a:r>
+              <a:rPr lang="ru-RU" dirty="0">
+                <a:solidFill>
+                  <a:srgbClr val="000000"/>
+                </a:solidFill>
+                <a:latin typeface="Consolas" panose="020B0609020204030204" pitchFamily="49" charset="0"/>
+              </a:rPr>
+              <a:t>справочник автомобилей;</a:t>
+            </a:r>
+          </a:p>
+          <a:p>
+            <a:pPr marL="285750" indent="-285750">
+              <a:buFont typeface="Wingdings" panose="05000000000000000000" pitchFamily="2" charset="2"/>
+              <a:buChar char="§"/>
+            </a:pPr>
+            <a:r>
+              <a:rPr lang="en-US" sz="1800" dirty="0">
+                <a:solidFill>
+                  <a:srgbClr val="000000"/>
+                </a:solidFill>
+                <a:latin typeface="Consolas" panose="020B0609020204030204" pitchFamily="49" charset="0"/>
+              </a:rPr>
+              <a:t>Products</a:t>
+            </a:r>
+            <a:r>
+              <a:rPr lang="ru-RU" sz="1800" dirty="0">
+                <a:solidFill>
+                  <a:srgbClr val="000000"/>
+                </a:solidFill>
+                <a:latin typeface="Consolas" panose="020B0609020204030204" pitchFamily="49" charset="0"/>
+              </a:rPr>
+              <a:t> – Таблица с основными товарами склада;</a:t>
+            </a:r>
+          </a:p>
+          <a:p>
+            <a:pPr marL="285750" indent="-285750">
+              <a:buFont typeface="Wingdings" panose="05000000000000000000" pitchFamily="2" charset="2"/>
+              <a:buChar char="§"/>
+            </a:pPr>
+            <a:r>
+              <a:rPr lang="en-US" sz="1800" dirty="0" err="1">
+                <a:solidFill>
+                  <a:srgbClr val="000000"/>
+                </a:solidFill>
+                <a:latin typeface="Consolas" panose="020B0609020204030204" pitchFamily="49" charset="0"/>
+              </a:rPr>
+              <a:t>CarCompatibility</a:t>
+            </a:r>
+            <a:r>
+              <a:rPr lang="ru-RU" dirty="0">
+                <a:solidFill>
+                  <a:srgbClr val="000000"/>
+                </a:solidFill>
+                <a:latin typeface="Consolas" panose="020B0609020204030204" pitchFamily="49" charset="0"/>
+              </a:rPr>
+              <a:t> – совместимость товара с автомобилем;</a:t>
+            </a:r>
+          </a:p>
+          <a:p>
+            <a:pPr marL="285750" indent="-285750">
+              <a:buFont typeface="Wingdings" panose="05000000000000000000" pitchFamily="2" charset="2"/>
+              <a:buChar char="§"/>
+            </a:pPr>
+            <a:r>
+              <a:rPr lang="en-US" sz="1800" dirty="0">
+                <a:solidFill>
+                  <a:srgbClr val="000000"/>
+                </a:solidFill>
+                <a:latin typeface="Consolas" panose="020B0609020204030204" pitchFamily="49" charset="0"/>
+              </a:rPr>
+              <a:t>Accessories</a:t>
+            </a:r>
+            <a:r>
+              <a:rPr lang="ru-RU" sz="1800" dirty="0">
+                <a:solidFill>
+                  <a:srgbClr val="000000"/>
+                </a:solidFill>
+                <a:latin typeface="Consolas" panose="020B0609020204030204" pitchFamily="49" charset="0"/>
+              </a:rPr>
+              <a:t> – сопутствующие то</a:t>
+            </a:r>
+            <a:r>
+              <a:rPr lang="ru-RU" dirty="0">
+                <a:solidFill>
+                  <a:srgbClr val="000000"/>
+                </a:solidFill>
+                <a:latin typeface="Consolas" panose="020B0609020204030204" pitchFamily="49" charset="0"/>
+              </a:rPr>
+              <a:t>вары для товаров </a:t>
+            </a:r>
+            <a:r>
+              <a:rPr lang="en-US" sz="1800" dirty="0">
+                <a:solidFill>
+                  <a:srgbClr val="000000"/>
+                </a:solidFill>
+                <a:latin typeface="Consolas" panose="020B0609020204030204" pitchFamily="49" charset="0"/>
+              </a:rPr>
+              <a:t>Products</a:t>
+            </a:r>
+            <a:r>
+              <a:rPr lang="ru-RU" dirty="0">
+                <a:solidFill>
+                  <a:srgbClr val="000000"/>
+                </a:solidFill>
+                <a:latin typeface="Consolas" panose="020B0609020204030204" pitchFamily="49" charset="0"/>
+              </a:rPr>
+              <a:t>;</a:t>
+            </a:r>
+          </a:p>
+          <a:p>
+            <a:pPr marL="285750" indent="-285750">
+              <a:buFont typeface="Wingdings" panose="05000000000000000000" pitchFamily="2" charset="2"/>
+              <a:buChar char="§"/>
+            </a:pPr>
+            <a:r>
+              <a:rPr lang="en-US" dirty="0" err="1">
+                <a:solidFill>
+                  <a:srgbClr val="000000"/>
+                </a:solidFill>
+                <a:latin typeface="Consolas" panose="020B0609020204030204" pitchFamily="49" charset="0"/>
+              </a:rPr>
+              <a:t>ProductsStockQuantity</a:t>
+            </a:r>
+            <a:r>
+              <a:rPr lang="ru-RU" sz="1800" dirty="0">
+                <a:solidFill>
+                  <a:srgbClr val="000000"/>
+                </a:solidFill>
+                <a:latin typeface="Consolas" panose="020B0609020204030204" pitchFamily="49" charset="0"/>
+              </a:rPr>
+              <a:t> – таблица с остатками </a:t>
+            </a:r>
+            <a:r>
+              <a:rPr lang="en-US" sz="1800" dirty="0">
+                <a:solidFill>
+                  <a:srgbClr val="000000"/>
+                </a:solidFill>
+                <a:latin typeface="Consolas" panose="020B0609020204030204" pitchFamily="49" charset="0"/>
+              </a:rPr>
+              <a:t>Products </a:t>
+            </a:r>
+            <a:r>
+              <a:rPr lang="ru-RU" sz="1800" dirty="0">
+                <a:solidFill>
+                  <a:srgbClr val="000000"/>
+                </a:solidFill>
+                <a:latin typeface="Consolas" panose="020B0609020204030204" pitchFamily="49" charset="0"/>
+              </a:rPr>
+              <a:t>на дату;</a:t>
+            </a:r>
+          </a:p>
+          <a:p>
+            <a:pPr marL="285750" indent="-285750">
+              <a:buFont typeface="Wingdings" panose="05000000000000000000" pitchFamily="2" charset="2"/>
+              <a:buChar char="§"/>
+            </a:pPr>
+            <a:r>
+              <a:rPr lang="en-US" dirty="0" err="1">
+                <a:solidFill>
+                  <a:srgbClr val="000000"/>
+                </a:solidFill>
+                <a:latin typeface="Consolas" panose="020B0609020204030204" pitchFamily="49" charset="0"/>
+              </a:rPr>
+              <a:t>AccessoriesStockQuantity</a:t>
+            </a:r>
+            <a:r>
+              <a:rPr lang="ru-RU" dirty="0">
+                <a:solidFill>
+                  <a:srgbClr val="000000"/>
+                </a:solidFill>
+                <a:latin typeface="Consolas" panose="020B0609020204030204" pitchFamily="49" charset="0"/>
+              </a:rPr>
+              <a:t> - </a:t>
+            </a:r>
+            <a:r>
+              <a:rPr lang="ru-RU" sz="1800" dirty="0">
+                <a:solidFill>
+                  <a:srgbClr val="000000"/>
+                </a:solidFill>
+                <a:latin typeface="Consolas" panose="020B0609020204030204" pitchFamily="49" charset="0"/>
+              </a:rPr>
+              <a:t>таблица с остатками </a:t>
+            </a:r>
+            <a:r>
+              <a:rPr lang="en-US" sz="1800" dirty="0">
+                <a:solidFill>
+                  <a:srgbClr val="000000"/>
+                </a:solidFill>
+                <a:latin typeface="Consolas" panose="020B0609020204030204" pitchFamily="49" charset="0"/>
+              </a:rPr>
+              <a:t>Accessories </a:t>
+            </a:r>
+            <a:r>
+              <a:rPr lang="ru-RU" sz="1800" dirty="0">
+                <a:solidFill>
+                  <a:srgbClr val="000000"/>
+                </a:solidFill>
+                <a:latin typeface="Consolas" panose="020B0609020204030204" pitchFamily="49" charset="0"/>
+              </a:rPr>
+              <a:t>на дату.</a:t>
+            </a:r>
+          </a:p>
+          <a:p>
+            <a:pPr marL="285750" indent="-285750">
+              <a:buFont typeface="Wingdings" panose="05000000000000000000" pitchFamily="2" charset="2"/>
+              <a:buChar char="§"/>
+            </a:pPr>
+            <a:endParaRPr lang="ru-RU" dirty="0">
+              <a:solidFill>
+                <a:srgbClr val="000000"/>
+              </a:solidFill>
+              <a:latin typeface="Consolas" panose="020B0609020204030204" pitchFamily="49" charset="0"/>
+            </a:endParaRPr>
+          </a:p>
+          <a:p>
+            <a:pPr marL="285750" indent="-285750">
+              <a:buFont typeface="Wingdings" panose="05000000000000000000" pitchFamily="2" charset="2"/>
+              <a:buChar char="§"/>
+            </a:pPr>
+            <a:endParaRPr lang="ru-RU" dirty="0"/>
+          </a:p>
+        </p:txBody>
+      </p:sp>
+    </p:spTree>
+    <p:extLst>
+      <p:ext uri="{BB962C8B-B14F-4D97-AF65-F5344CB8AC3E}">
+        <p14:creationId xmlns:p14="http://schemas.microsoft.com/office/powerpoint/2010/main" val="1479963753"/>
+      </p:ext>
+    </p:extLst>
+  </p:cSld>
+  <p:clrMapOvr>
+    <a:masterClrMapping/>
+  </p:clrMapOvr>
+</p:sld>
+</file>
+
+<file path=ppt/slides/slide4.xml><?xml version="1.0" encoding="utf-8"?>
+<p:sld xmlns:a="http://schemas.openxmlformats.org/drawingml/2006/main" xmlns:r="http://schemas.openxmlformats.org/officeDocument/2006/relationships" xmlns:p="http://schemas.openxmlformats.org/presentationml/2006/main">
+  <p:cSld>
+    <p:spTree>
+      <p:nvGrpSpPr>
+        <p:cNvPr id="1" name=""/>
+        <p:cNvGrpSpPr/>
+        <p:nvPr/>
+      </p:nvGrpSpPr>
+      <p:grpSpPr>
+        <a:xfrm>
+          <a:off x="0" y="0"/>
+          <a:ext cx="0" cy="0"/>
+          <a:chOff x="0" y="0"/>
+          <a:chExt cx="0" cy="0"/>
+        </a:xfrm>
+      </p:grpSpPr>
+      <p:sp>
+        <p:nvSpPr>
           <p:cNvPr id="12" name="TextBox 11">
             <a:extLst>
               <a:ext uri="{FF2B5EF4-FFF2-40B4-BE49-F238E27FC236}">
@@ -4401,6 +4627,145 @@
     <p:extLst>
       <p:ext uri="{BB962C8B-B14F-4D97-AF65-F5344CB8AC3E}">
         <p14:creationId xmlns:p14="http://schemas.microsoft.com/office/powerpoint/2010/main" val="2629108940"/>
+      </p:ext>
+    </p:extLst>
+  </p:cSld>
+  <p:clrMapOvr>
+    <a:masterClrMapping/>
+  </p:clrMapOvr>
+</p:sld>
+</file>
+
+<file path=ppt/slides/slide5.xml><?xml version="1.0" encoding="utf-8"?>
+<p:sld xmlns:a="http://schemas.openxmlformats.org/drawingml/2006/main" xmlns:r="http://schemas.openxmlformats.org/officeDocument/2006/relationships" xmlns:p="http://schemas.openxmlformats.org/presentationml/2006/main">
+  <p:cSld>
+    <p:spTree>
+      <p:nvGrpSpPr>
+        <p:cNvPr id="1" name="">
+          <a:extLst>
+            <a:ext uri="{FF2B5EF4-FFF2-40B4-BE49-F238E27FC236}">
+              <a16:creationId xmlns:a16="http://schemas.microsoft.com/office/drawing/2014/main" id="{AF975F92-7A3B-7858-F78D-7A8006B250E9}"/>
+            </a:ext>
+          </a:extLst>
+        </p:cNvPr>
+        <p:cNvGrpSpPr/>
+        <p:nvPr/>
+      </p:nvGrpSpPr>
+      <p:grpSpPr>
+        <a:xfrm>
+          <a:off x="0" y="0"/>
+          <a:ext cx="0" cy="0"/>
+          <a:chOff x="0" y="0"/>
+          <a:chExt cx="0" cy="0"/>
+        </a:xfrm>
+      </p:grpSpPr>
+      <p:sp>
+        <p:nvSpPr>
+          <p:cNvPr id="2" name="TextBox 1">
+            <a:extLst>
+              <a:ext uri="{FF2B5EF4-FFF2-40B4-BE49-F238E27FC236}">
+                <a16:creationId xmlns:a16="http://schemas.microsoft.com/office/drawing/2014/main" id="{B3640F22-ECFE-73CF-2D50-A2892A116DDA}"/>
+              </a:ext>
+            </a:extLst>
+          </p:cNvPr>
+          <p:cNvSpPr txBox="1"/>
+          <p:nvPr/>
+        </p:nvSpPr>
+        <p:spPr>
+          <a:xfrm>
+            <a:off x="411480" y="1177230"/>
+            <a:ext cx="10844784" cy="1754326"/>
+          </a:xfrm>
+          <a:prstGeom prst="rect">
+            <a:avLst/>
+          </a:prstGeom>
+          <a:noFill/>
+        </p:spPr>
+        <p:txBody>
+          <a:bodyPr wrap="square" rtlCol="0">
+            <a:spAutoFit/>
+          </a:bodyPr>
+          <a:lstStyle/>
+          <a:p>
+            <a:r>
+              <a:rPr lang="ru-RU" b="1" dirty="0">
+                <a:highlight>
+                  <a:srgbClr val="00FFFF"/>
+                </a:highlight>
+              </a:rPr>
+              <a:t>Заключение:</a:t>
+            </a:r>
+          </a:p>
+          <a:p>
+            <a:pPr marL="285750" indent="-285750">
+              <a:buFont typeface="Wingdings" panose="05000000000000000000" pitchFamily="2" charset="2"/>
+              <a:buChar char="§"/>
+            </a:pPr>
+            <a:endParaRPr lang="ru-RU" dirty="0">
+              <a:solidFill>
+                <a:srgbClr val="000000"/>
+              </a:solidFill>
+              <a:latin typeface="Consolas" panose="020B0609020204030204" pitchFamily="49" charset="0"/>
+            </a:endParaRPr>
+          </a:p>
+          <a:p>
+            <a:pPr marL="285750" indent="-285750">
+              <a:buFont typeface="Wingdings" panose="05000000000000000000" pitchFamily="2" charset="2"/>
+              <a:buChar char="§"/>
+            </a:pPr>
+            <a:r>
+              <a:rPr lang="ru-RU" dirty="0">
+                <a:solidFill>
+                  <a:srgbClr val="000000"/>
+                </a:solidFill>
+                <a:latin typeface="Consolas" panose="020B0609020204030204" pitchFamily="49" charset="0"/>
+              </a:rPr>
+              <a:t>Простота решения по базе данных и использование телеграмм бота способствуют повышению общей продуктивности по контролю остатков на складе товаров для автотуризма</a:t>
+            </a:r>
+          </a:p>
+          <a:p>
+            <a:pPr marL="285750" indent="-285750">
+              <a:buFont typeface="Wingdings" panose="05000000000000000000" pitchFamily="2" charset="2"/>
+              <a:buChar char="§"/>
+            </a:pPr>
+            <a:endParaRPr lang="ru-RU" dirty="0"/>
+          </a:p>
+        </p:txBody>
+      </p:sp>
+      <p:pic>
+        <p:nvPicPr>
+          <p:cNvPr id="7" name="Рисунок 6">
+            <a:extLst>
+              <a:ext uri="{FF2B5EF4-FFF2-40B4-BE49-F238E27FC236}">
+                <a16:creationId xmlns:a16="http://schemas.microsoft.com/office/drawing/2014/main" id="{FBB87C86-BE57-74F7-5310-88DE9563AC47}"/>
+              </a:ext>
+            </a:extLst>
+          </p:cNvPr>
+          <p:cNvPicPr>
+            <a:picLocks noChangeAspect="1"/>
+          </p:cNvPicPr>
+          <p:nvPr/>
+        </p:nvPicPr>
+        <p:blipFill>
+          <a:blip r:embed="rId2"/>
+          <a:stretch>
+            <a:fillRect/>
+          </a:stretch>
+        </p:blipFill>
+        <p:spPr>
+          <a:xfrm>
+            <a:off x="2838259" y="3089970"/>
+            <a:ext cx="5991225" cy="2590800"/>
+          </a:xfrm>
+          <a:prstGeom prst="rect">
+            <a:avLst/>
+          </a:prstGeom>
+        </p:spPr>
+      </p:pic>
+    </p:spTree>
+    <p:extLst>
+      <p:ext uri="{BB962C8B-B14F-4D97-AF65-F5344CB8AC3E}">
+        <p14:creationId xmlns:p14="http://schemas.microsoft.com/office/powerpoint/2010/main" val="1999626368"/>
       </p:ext>
     </p:extLst>
   </p:cSld>
